--- a/ghostwriter/reporting/templates/reports/template.pptx
+++ b/ghostwriter/reporting/templates/reports/template.pptx
@@ -213,7 +213,7 @@
           <a:p>
             <a:fld id="{F655BFE0-ECC4-8C48-AAA2-E89F961E7295}" type="datetimeFigureOut">
               <a:rPr lang="en-US" smtClean="0"/>
-              <a:t>7/26/19</a:t>
+              <a:t>12/17/19</a:t>
             </a:fld>
             <a:endParaRPr lang="en-US"/>
           </a:p>
@@ -390,7 +390,7 @@
           <a:p>
             <a:fld id="{238C35A0-2413-3B4F-BA04-92FA81CCB656}" type="datetimeFigureOut">
               <a:rPr lang="en-US" smtClean="0"/>
-              <a:t>7/26/19</a:t>
+              <a:t>12/17/19</a:t>
             </a:fld>
             <a:endParaRPr lang="en-US"/>
           </a:p>
@@ -682,8 +682,8 @@
         </p:nvSpPr>
         <p:spPr>
           <a:xfrm>
-            <a:off x="0" y="0"/>
-            <a:ext cx="12192000" cy="6858000"/>
+            <a:off x="-10160" y="-10160"/>
+            <a:ext cx="12202160" cy="6868160"/>
           </a:xfrm>
           <a:prstGeom prst="rect">
             <a:avLst/>
@@ -940,8 +940,8 @@
         </p:blipFill>
         <p:spPr>
           <a:xfrm>
-            <a:off x="4658095" y="415486"/>
-            <a:ext cx="2514600" cy="2806700"/>
+            <a:off x="4968342" y="583800"/>
+            <a:ext cx="2048089" cy="2286000"/>
           </a:xfrm>
           <a:prstGeom prst="rect">
             <a:avLst/>
@@ -1172,13 +1172,22 @@
         </p:spPr>
         <p:txBody>
           <a:bodyPr/>
-          <a:lstStyle/>
+          <a:lstStyle>
+            <a:lvl1pPr>
+              <a:defRPr>
+                <a:solidFill>
+                  <a:schemeClr val="bg1"/>
+                </a:solidFill>
+              </a:defRPr>
+            </a:lvl1pPr>
+          </a:lstStyle>
           <a:p>
             <a:fld id="{B19BF9E0-23D0-AA4D-9EB9-DD4CE800D881}" type="datetime1">
               <a:rPr lang="en-US" smtClean="0"/>
-              <a:t>7/26/19</a:t>
+              <a:pPr/>
+              <a:t>12/17/19</a:t>
             </a:fld>
-            <a:endParaRPr lang="en-US"/>
+            <a:endParaRPr lang="en-US" dirty="0"/>
           </a:p>
         </p:txBody>
       </p:sp>
@@ -1226,13 +1235,22 @@
         </p:spPr>
         <p:txBody>
           <a:bodyPr/>
-          <a:lstStyle/>
+          <a:lstStyle>
+            <a:lvl1pPr algn="r">
+              <a:defRPr>
+                <a:solidFill>
+                  <a:schemeClr val="bg1"/>
+                </a:solidFill>
+              </a:defRPr>
+            </a:lvl1pPr>
+          </a:lstStyle>
           <a:p>
             <a:fld id="{850B62A3-F34D-7F44-AFE9-F6B5F5D3FEA3}" type="slidenum">
               <a:rPr lang="en-US" smtClean="0"/>
+              <a:pPr/>
               <a:t>‹#›</a:t>
             </a:fld>
-            <a:endParaRPr lang="en-US"/>
+            <a:endParaRPr lang="en-US" dirty="0"/>
           </a:p>
         </p:txBody>
       </p:sp>
@@ -1360,13 +1378,22 @@
         </p:spPr>
         <p:txBody>
           <a:bodyPr/>
-          <a:lstStyle/>
+          <a:lstStyle>
+            <a:lvl1pPr>
+              <a:defRPr>
+                <a:solidFill>
+                  <a:schemeClr val="bg1"/>
+                </a:solidFill>
+              </a:defRPr>
+            </a:lvl1pPr>
+          </a:lstStyle>
           <a:p>
             <a:fld id="{5E61854F-676F-4C40-8515-1AF6D823C89B}" type="datetime1">
               <a:rPr lang="en-US" smtClean="0"/>
-              <a:t>7/26/19</a:t>
+              <a:pPr/>
+              <a:t>12/17/19</a:t>
             </a:fld>
-            <a:endParaRPr lang="en-US"/>
+            <a:endParaRPr lang="en-US" dirty="0"/>
           </a:p>
         </p:txBody>
       </p:sp>
@@ -1414,13 +1441,22 @@
         </p:spPr>
         <p:txBody>
           <a:bodyPr/>
-          <a:lstStyle/>
+          <a:lstStyle>
+            <a:lvl1pPr algn="r">
+              <a:defRPr>
+                <a:solidFill>
+                  <a:schemeClr val="bg1"/>
+                </a:solidFill>
+              </a:defRPr>
+            </a:lvl1pPr>
+          </a:lstStyle>
           <a:p>
             <a:fld id="{850B62A3-F34D-7F44-AFE9-F6B5F5D3FEA3}" type="slidenum">
               <a:rPr lang="en-US" smtClean="0"/>
+              <a:pPr/>
               <a:t>‹#›</a:t>
             </a:fld>
-            <a:endParaRPr lang="en-US"/>
+            <a:endParaRPr lang="en-US" dirty="0"/>
           </a:p>
         </p:txBody>
       </p:sp>
@@ -1558,13 +1594,22 @@
         </p:spPr>
         <p:txBody>
           <a:bodyPr/>
-          <a:lstStyle/>
+          <a:lstStyle>
+            <a:lvl1pPr>
+              <a:defRPr>
+                <a:solidFill>
+                  <a:schemeClr val="bg1"/>
+                </a:solidFill>
+              </a:defRPr>
+            </a:lvl1pPr>
+          </a:lstStyle>
           <a:p>
             <a:fld id="{F13DCD3E-A640-024C-94F5-F73CCF6B7E94}" type="datetime1">
               <a:rPr lang="en-US" smtClean="0"/>
-              <a:t>7/26/19</a:t>
+              <a:pPr/>
+              <a:t>12/17/19</a:t>
             </a:fld>
-            <a:endParaRPr lang="en-US"/>
+            <a:endParaRPr lang="en-US" dirty="0"/>
           </a:p>
         </p:txBody>
       </p:sp>
@@ -1612,13 +1657,22 @@
         </p:spPr>
         <p:txBody>
           <a:bodyPr/>
-          <a:lstStyle/>
+          <a:lstStyle>
+            <a:lvl1pPr algn="r">
+              <a:defRPr>
+                <a:solidFill>
+                  <a:schemeClr val="bg1"/>
+                </a:solidFill>
+              </a:defRPr>
+            </a:lvl1pPr>
+          </a:lstStyle>
           <a:p>
             <a:fld id="{850B62A3-F34D-7F44-AFE9-F6B5F5D3FEA3}" type="slidenum">
               <a:rPr lang="en-US" smtClean="0"/>
+              <a:pPr/>
               <a:t>‹#›</a:t>
             </a:fld>
-            <a:endParaRPr lang="en-US"/>
+            <a:endParaRPr lang="en-US" dirty="0"/>
           </a:p>
         </p:txBody>
       </p:sp>
@@ -1759,8 +1813,8 @@
         </p:nvSpPr>
         <p:spPr>
           <a:xfrm>
-            <a:off x="0" y="-41564"/>
-            <a:ext cx="12192000" cy="6941127"/>
+            <a:off x="-10160" y="-51723"/>
+            <a:ext cx="12202160" cy="6909724"/>
           </a:xfrm>
           <a:prstGeom prst="rect">
             <a:avLst/>
@@ -2527,7 +2581,7 @@
           <a:p>
             <a:fld id="{126FEC1E-BA93-A742-8719-C773E6DC92F4}" type="datetime1">
               <a:rPr lang="en-US" smtClean="0"/>
-              <a:t>7/26/19</a:t>
+              <a:t>12/17/19</a:t>
             </a:fld>
             <a:endParaRPr lang="en-US"/>
           </a:p>
@@ -3092,7 +3146,7 @@
           <a:p>
             <a:fld id="{CCA7A0DF-C3D8-9D43-8DE8-66E91FB1F5C2}" type="datetime1">
               <a:rPr lang="en-US" smtClean="0"/>
-              <a:t>7/26/19</a:t>
+              <a:t>12/17/19</a:t>
             </a:fld>
             <a:endParaRPr lang="en-US"/>
           </a:p>
@@ -3471,7 +3525,7 @@
           <a:p>
             <a:fld id="{0D2D8EBF-F4C0-1644-A9CB-2C5389C8DE34}" type="datetime1">
               <a:rPr lang="en-US" smtClean="0"/>
-              <a:t>7/26/19</a:t>
+              <a:t>12/17/19</a:t>
             </a:fld>
             <a:endParaRPr lang="en-US"/>
           </a:p>
@@ -3603,7 +3657,7 @@
           <a:p>
             <a:fld id="{CB7EC9CC-2D35-B642-955D-8E6C15C97055}" type="datetime1">
               <a:rPr lang="en-US" smtClean="0"/>
-              <a:t>7/26/19</a:t>
+              <a:t>12/17/19</a:t>
             </a:fld>
             <a:endParaRPr lang="en-US"/>
           </a:p>
@@ -3823,13 +3877,22 @@
         </p:spPr>
         <p:txBody>
           <a:bodyPr/>
-          <a:lstStyle/>
+          <a:lstStyle>
+            <a:lvl1pPr>
+              <a:defRPr>
+                <a:solidFill>
+                  <a:schemeClr val="bg1"/>
+                </a:solidFill>
+              </a:defRPr>
+            </a:lvl1pPr>
+          </a:lstStyle>
           <a:p>
             <a:fld id="{01A07ABA-737E-B940-885E-88FDAFE88ADA}" type="datetime1">
               <a:rPr lang="en-US" smtClean="0"/>
-              <a:t>7/26/19</a:t>
+              <a:pPr/>
+              <a:t>12/17/19</a:t>
             </a:fld>
-            <a:endParaRPr lang="en-US"/>
+            <a:endParaRPr lang="en-US" dirty="0"/>
           </a:p>
         </p:txBody>
       </p:sp>
@@ -3885,13 +3948,22 @@
         </p:spPr>
         <p:txBody>
           <a:bodyPr/>
-          <a:lstStyle/>
+          <a:lstStyle>
+            <a:lvl1pPr algn="r">
+              <a:defRPr>
+                <a:solidFill>
+                  <a:schemeClr val="bg1"/>
+                </a:solidFill>
+              </a:defRPr>
+            </a:lvl1pPr>
+          </a:lstStyle>
           <a:p>
             <a:fld id="{850B62A3-F34D-7F44-AFE9-F6B5F5D3FEA3}" type="slidenum">
               <a:rPr lang="en-US" smtClean="0"/>
+              <a:pPr/>
               <a:t>‹#›</a:t>
             </a:fld>
-            <a:endParaRPr lang="en-US"/>
+            <a:endParaRPr lang="en-US" dirty="0"/>
           </a:p>
         </p:txBody>
       </p:sp>
@@ -3950,7 +4022,7 @@
           <a:p>
             <a:fld id="{74FB62FF-5583-3F43-A7D3-AC0749E37AB1}" type="datetime1">
               <a:rPr lang="en-US" smtClean="0"/>
-              <a:t>7/26/19</a:t>
+              <a:t>12/17/19</a:t>
             </a:fld>
             <a:endParaRPr lang="en-US"/>
           </a:p>
@@ -4240,7 +4312,7 @@
           <a:p>
             <a:fld id="{D5183357-46CF-434B-963D-8CD4C09E68A1}" type="datetime1">
               <a:rPr lang="en-US" smtClean="0"/>
-              <a:t>7/26/19</a:t>
+              <a:t>12/17/19</a:t>
             </a:fld>
             <a:endParaRPr lang="en-US"/>
           </a:p>
@@ -4507,7 +4579,7 @@
           <a:p>
             <a:fld id="{9188BA0B-BA2B-0E48-B1DF-9B2BAE1B07ED}" type="datetime1">
               <a:rPr lang="en-US" smtClean="0"/>
-              <a:t>7/26/19</a:t>
+              <a:t>12/17/19</a:t>
             </a:fld>
             <a:endParaRPr lang="en-US"/>
           </a:p>
@@ -4690,7 +4762,7 @@
           <a:p>
             <a:fld id="{DA6FFF67-2BB1-C047-B412-FDE39B8420A2}" type="datetime1">
               <a:rPr lang="en-US" smtClean="0"/>
-              <a:t>7/26/19</a:t>
+              <a:t>12/17/19</a:t>
             </a:fld>
             <a:endParaRPr lang="en-US"/>
           </a:p>
@@ -4883,7 +4955,7 @@
           <a:p>
             <a:fld id="{4FC56D0A-879B-9843-8782-B2B9B81BEF64}" type="datetime1">
               <a:rPr lang="en-US" smtClean="0"/>
-              <a:t>7/26/19</a:t>
+              <a:t>12/17/19</a:t>
             </a:fld>
             <a:endParaRPr lang="en-US"/>
           </a:p>
@@ -5139,13 +5211,22 @@
         </p:spPr>
         <p:txBody>
           <a:bodyPr/>
-          <a:lstStyle/>
+          <a:lstStyle>
+            <a:lvl1pPr>
+              <a:defRPr>
+                <a:solidFill>
+                  <a:schemeClr val="bg1"/>
+                </a:solidFill>
+              </a:defRPr>
+            </a:lvl1pPr>
+          </a:lstStyle>
           <a:p>
             <a:fld id="{8AD19A97-9375-5242-A8F8-EF9FB329B087}" type="datetime1">
               <a:rPr lang="en-US" smtClean="0"/>
-              <a:t>7/26/19</a:t>
+              <a:pPr/>
+              <a:t>12/17/19</a:t>
             </a:fld>
-            <a:endParaRPr lang="en-US"/>
+            <a:endParaRPr lang="en-US" dirty="0"/>
           </a:p>
         </p:txBody>
       </p:sp>
@@ -5193,13 +5274,22 @@
         </p:spPr>
         <p:txBody>
           <a:bodyPr/>
-          <a:lstStyle/>
+          <a:lstStyle>
+            <a:lvl1pPr algn="r">
+              <a:defRPr>
+                <a:solidFill>
+                  <a:schemeClr val="bg1"/>
+                </a:solidFill>
+              </a:defRPr>
+            </a:lvl1pPr>
+          </a:lstStyle>
           <a:p>
             <a:fld id="{850B62A3-F34D-7F44-AFE9-F6B5F5D3FEA3}" type="slidenum">
               <a:rPr lang="en-US" smtClean="0"/>
+              <a:pPr/>
               <a:t>‹#›</a:t>
             </a:fld>
-            <a:endParaRPr lang="en-US"/>
+            <a:endParaRPr lang="en-US" dirty="0"/>
           </a:p>
         </p:txBody>
       </p:sp>
@@ -5241,8 +5331,8 @@
         </p:nvSpPr>
         <p:spPr>
           <a:xfrm>
-            <a:off x="0" y="0"/>
-            <a:ext cx="12192000" cy="6858000"/>
+            <a:off x="-10160" y="-10160"/>
+            <a:ext cx="12202160" cy="6868160"/>
           </a:xfrm>
           <a:prstGeom prst="rect">
             <a:avLst/>
@@ -5480,10 +5570,10 @@
       </p:cxnSp>
       <p:pic>
         <p:nvPicPr>
-          <p:cNvPr id="10" name="Picture 9">
+          <p:cNvPr id="9" name="Picture 8">
             <a:extLst>
               <a:ext uri="{FF2B5EF4-FFF2-40B4-BE49-F238E27FC236}">
-                <a16:creationId xmlns:a16="http://schemas.microsoft.com/office/drawing/2014/main" id="{CEE578A6-20DE-264C-BFF8-FA5C16341A3D}"/>
+                <a16:creationId xmlns:a16="http://schemas.microsoft.com/office/drawing/2014/main" id="{4209F8D6-B62F-1144-B9F7-5D3C9E67D373}"/>
               </a:ext>
             </a:extLst>
           </p:cNvPr>
@@ -5500,8 +5590,8 @@
         </p:blipFill>
         <p:spPr>
           <a:xfrm>
-            <a:off x="4838700" y="275851"/>
-            <a:ext cx="2514600" cy="2806700"/>
+            <a:off x="4968342" y="583800"/>
+            <a:ext cx="2048089" cy="2286000"/>
           </a:xfrm>
           <a:prstGeom prst="rect">
             <a:avLst/>
@@ -5688,13 +5778,22 @@
         </p:spPr>
         <p:txBody>
           <a:bodyPr/>
-          <a:lstStyle/>
+          <a:lstStyle>
+            <a:lvl1pPr>
+              <a:defRPr>
+                <a:solidFill>
+                  <a:schemeClr val="bg1"/>
+                </a:solidFill>
+              </a:defRPr>
+            </a:lvl1pPr>
+          </a:lstStyle>
           <a:p>
             <a:fld id="{70CCD242-71D9-0B41-89CE-88A9D4CFE536}" type="datetime1">
               <a:rPr lang="en-US" smtClean="0"/>
-              <a:t>7/26/19</a:t>
+              <a:pPr/>
+              <a:t>12/17/19</a:t>
             </a:fld>
-            <a:endParaRPr lang="en-US"/>
+            <a:endParaRPr lang="en-US" dirty="0"/>
           </a:p>
         </p:txBody>
       </p:sp>
@@ -5742,13 +5841,22 @@
         </p:spPr>
         <p:txBody>
           <a:bodyPr/>
-          <a:lstStyle/>
+          <a:lstStyle>
+            <a:lvl1pPr algn="r">
+              <a:defRPr>
+                <a:solidFill>
+                  <a:schemeClr val="bg1"/>
+                </a:solidFill>
+              </a:defRPr>
+            </a:lvl1pPr>
+          </a:lstStyle>
           <a:p>
             <a:fld id="{850B62A3-F34D-7F44-AFE9-F6B5F5D3FEA3}" type="slidenum">
               <a:rPr lang="en-US" smtClean="0"/>
+              <a:pPr/>
               <a:t>‹#›</a:t>
             </a:fld>
-            <a:endParaRPr lang="en-US"/>
+            <a:endParaRPr lang="en-US" dirty="0"/>
           </a:p>
         </p:txBody>
       </p:sp>
@@ -6072,13 +6180,22 @@
         </p:spPr>
         <p:txBody>
           <a:bodyPr/>
-          <a:lstStyle/>
+          <a:lstStyle>
+            <a:lvl1pPr>
+              <a:defRPr>
+                <a:solidFill>
+                  <a:schemeClr val="bg1"/>
+                </a:solidFill>
+              </a:defRPr>
+            </a:lvl1pPr>
+          </a:lstStyle>
           <a:p>
             <a:fld id="{0238D314-2C76-E844-98B1-DB8FFB9F51BE}" type="datetime1">
               <a:rPr lang="en-US" smtClean="0"/>
-              <a:t>7/26/19</a:t>
+              <a:pPr/>
+              <a:t>12/17/19</a:t>
             </a:fld>
-            <a:endParaRPr lang="en-US"/>
+            <a:endParaRPr lang="en-US" dirty="0"/>
           </a:p>
         </p:txBody>
       </p:sp>
@@ -6126,13 +6243,22 @@
         </p:spPr>
         <p:txBody>
           <a:bodyPr/>
-          <a:lstStyle/>
+          <a:lstStyle>
+            <a:lvl1pPr algn="r">
+              <a:defRPr>
+                <a:solidFill>
+                  <a:schemeClr val="bg1"/>
+                </a:solidFill>
+              </a:defRPr>
+            </a:lvl1pPr>
+          </a:lstStyle>
           <a:p>
             <a:fld id="{850B62A3-F34D-7F44-AFE9-F6B5F5D3FEA3}" type="slidenum">
               <a:rPr lang="en-US" smtClean="0"/>
+              <a:pPr/>
               <a:t>‹#›</a:t>
             </a:fld>
-            <a:endParaRPr lang="en-US"/>
+            <a:endParaRPr lang="en-US" dirty="0"/>
           </a:p>
         </p:txBody>
       </p:sp>
@@ -6209,13 +6335,22 @@
         </p:spPr>
         <p:txBody>
           <a:bodyPr/>
-          <a:lstStyle/>
+          <a:lstStyle>
+            <a:lvl1pPr>
+              <a:defRPr>
+                <a:solidFill>
+                  <a:schemeClr val="bg1"/>
+                </a:solidFill>
+              </a:defRPr>
+            </a:lvl1pPr>
+          </a:lstStyle>
           <a:p>
             <a:fld id="{0301FEA2-222B-174C-99C9-5F99D67544F0}" type="datetime1">
               <a:rPr lang="en-US" smtClean="0"/>
-              <a:t>7/26/19</a:t>
+              <a:pPr/>
+              <a:t>12/17/19</a:t>
             </a:fld>
-            <a:endParaRPr lang="en-US"/>
+            <a:endParaRPr lang="en-US" dirty="0"/>
           </a:p>
         </p:txBody>
       </p:sp>
@@ -6263,13 +6398,22 @@
         </p:spPr>
         <p:txBody>
           <a:bodyPr/>
-          <a:lstStyle/>
+          <a:lstStyle>
+            <a:lvl1pPr algn="r">
+              <a:defRPr>
+                <a:solidFill>
+                  <a:schemeClr val="bg1"/>
+                </a:solidFill>
+              </a:defRPr>
+            </a:lvl1pPr>
+          </a:lstStyle>
           <a:p>
             <a:fld id="{850B62A3-F34D-7F44-AFE9-F6B5F5D3FEA3}" type="slidenum">
               <a:rPr lang="en-US" smtClean="0"/>
+              <a:pPr/>
               <a:t>‹#›</a:t>
             </a:fld>
-            <a:endParaRPr lang="en-US"/>
+            <a:endParaRPr lang="en-US" dirty="0"/>
           </a:p>
         </p:txBody>
       </p:sp>
@@ -6324,13 +6468,22 @@
         </p:spPr>
         <p:txBody>
           <a:bodyPr/>
-          <a:lstStyle/>
+          <a:lstStyle>
+            <a:lvl1pPr>
+              <a:defRPr>
+                <a:solidFill>
+                  <a:schemeClr val="bg1"/>
+                </a:solidFill>
+              </a:defRPr>
+            </a:lvl1pPr>
+          </a:lstStyle>
           <a:p>
             <a:fld id="{2539763C-9DA3-3A45-83CD-E398A8334719}" type="datetime1">
               <a:rPr lang="en-US" smtClean="0"/>
-              <a:t>7/26/19</a:t>
+              <a:pPr/>
+              <a:t>12/17/19</a:t>
             </a:fld>
-            <a:endParaRPr lang="en-US"/>
+            <a:endParaRPr lang="en-US" dirty="0"/>
           </a:p>
         </p:txBody>
       </p:sp>
@@ -6378,13 +6531,22 @@
         </p:spPr>
         <p:txBody>
           <a:bodyPr/>
-          <a:lstStyle/>
+          <a:lstStyle>
+            <a:lvl1pPr algn="r">
+              <a:defRPr>
+                <a:solidFill>
+                  <a:schemeClr val="bg1"/>
+                </a:solidFill>
+              </a:defRPr>
+            </a:lvl1pPr>
+          </a:lstStyle>
           <a:p>
             <a:fld id="{850B62A3-F34D-7F44-AFE9-F6B5F5D3FEA3}" type="slidenum">
               <a:rPr lang="en-US" smtClean="0"/>
+              <a:pPr/>
               <a:t>‹#›</a:t>
             </a:fld>
-            <a:endParaRPr lang="en-US"/>
+            <a:endParaRPr lang="en-US" dirty="0"/>
           </a:p>
         </p:txBody>
       </p:sp>
@@ -6619,11 +6781,20 @@
         </p:spPr>
         <p:txBody>
           <a:bodyPr/>
-          <a:lstStyle/>
+          <a:lstStyle>
+            <a:lvl1pPr>
+              <a:defRPr>
+                <a:solidFill>
+                  <a:schemeClr val="bg1"/>
+                </a:solidFill>
+              </a:defRPr>
+            </a:lvl1pPr>
+          </a:lstStyle>
           <a:p>
             <a:fld id="{343D8E90-9D5D-BC44-A133-7984A60C94F9}" type="datetime1">
               <a:rPr lang="en-US" smtClean="0"/>
-              <a:t>7/26/19</a:t>
+              <a:pPr/>
+              <a:t>12/17/19</a:t>
             </a:fld>
             <a:endParaRPr lang="en-US" dirty="0"/>
           </a:p>
@@ -6673,13 +6844,18 @@
         </p:spPr>
         <p:txBody>
           <a:bodyPr/>
-          <a:lstStyle/>
+          <a:lstStyle>
+            <a:lvl1pPr algn="r">
+              <a:defRPr/>
+            </a:lvl1pPr>
+          </a:lstStyle>
           <a:p>
             <a:fld id="{850B62A3-F34D-7F44-AFE9-F6B5F5D3FEA3}" type="slidenum">
               <a:rPr lang="en-US" smtClean="0"/>
+              <a:pPr/>
               <a:t>‹#›</a:t>
             </a:fld>
-            <a:endParaRPr lang="en-US"/>
+            <a:endParaRPr lang="en-US" dirty="0"/>
           </a:p>
         </p:txBody>
       </p:sp>

--- a/ghostwriter/reporting/templates/reports/template.pptx
+++ b/ghostwriter/reporting/templates/reports/template.pptx
@@ -212,7 +212,7 @@
           <a:p>
             <a:fld id="{F655BFE0-ECC4-8C48-AAA2-E89F961E7295}" type="datetimeFigureOut">
               <a:rPr lang="en-US" smtClean="0"/>
-              <a:t>10/22/20</a:t>
+              <a:t>11/9/20</a:t>
             </a:fld>
             <a:endParaRPr lang="en-US"/>
           </a:p>
@@ -389,7 +389,7 @@
           <a:p>
             <a:fld id="{238C35A0-2413-3B4F-BA04-92FA81CCB656}" type="datetimeFigureOut">
               <a:rPr lang="en-US" smtClean="0"/>
-              <a:t>10/22/20</a:t>
+              <a:t>11/9/20</a:t>
             </a:fld>
             <a:endParaRPr lang="en-US"/>
           </a:p>
@@ -681,7 +681,7 @@
         </p:nvSpPr>
         <p:spPr>
           <a:xfrm>
-            <a:off x="-10160" y="-10160"/>
+            <a:off x="0" y="0"/>
             <a:ext cx="12202160" cy="6868160"/>
           </a:xfrm>
           <a:prstGeom prst="rect">
@@ -712,7 +712,7 @@
           <a:lstStyle/>
           <a:p>
             <a:pPr algn="ctr"/>
-            <a:endParaRPr lang="en-US"/>
+            <a:endParaRPr lang="en-US" dirty="0"/>
           </a:p>
         </p:txBody>
       </p:sp>
@@ -728,7 +728,7 @@
         </p:nvSpPr>
         <p:spPr>
           <a:xfrm>
-            <a:off x="1524000" y="1823525"/>
+            <a:off x="1524000" y="1966736"/>
             <a:ext cx="9144000" cy="2387600"/>
           </a:xfrm>
         </p:spPr>
@@ -768,7 +768,7 @@
         </p:nvSpPr>
         <p:spPr>
           <a:xfrm>
-            <a:off x="1524000" y="4385218"/>
+            <a:off x="1524000" y="4457860"/>
             <a:ext cx="9144000" cy="1655762"/>
           </a:xfrm>
         </p:spPr>
@@ -847,82 +847,46 @@
           </a:p>
         </p:txBody>
       </p:sp>
-      <p:cxnSp>
-        <p:nvCxnSpPr>
-          <p:cNvPr id="12" name="Straight Connector 11"/>
-          <p:cNvCxnSpPr/>
+      <p:pic>
+        <p:nvPicPr>
+          <p:cNvPr id="9" name="Picture 8">
+            <a:extLst>
+              <a:ext uri="{FF2B5EF4-FFF2-40B4-BE49-F238E27FC236}">
+                <a16:creationId xmlns:a16="http://schemas.microsoft.com/office/drawing/2014/main" id="{D69C43CB-081B-8E40-B731-1B22AB064784}"/>
+              </a:ext>
+            </a:extLst>
+          </p:cNvPr>
+          <p:cNvPicPr/>
           <p:nvPr userDrawn="1"/>
-        </p:nvCxnSpPr>
-        <p:spPr>
-          <a:xfrm flipH="1">
-            <a:off x="1524000" y="1818836"/>
-            <a:ext cx="3607220" cy="0"/>
-          </a:xfrm>
-          <a:prstGeom prst="line">
+        </p:nvPicPr>
+        <p:blipFill>
+          <a:blip r:embed="rId2">
+            <a:extLst>
+              <a:ext uri="{28A0092B-C50C-407E-A947-70E740481C1C}">
+                <a14:useLocalDpi xmlns:a14="http://schemas.microsoft.com/office/drawing/2010/main" val="0"/>
+              </a:ext>
+            </a:extLst>
+          </a:blip>
+          <a:stretch>
+            <a:fillRect/>
+          </a:stretch>
+        </p:blipFill>
+        <p:spPr>
+          <a:xfrm>
+            <a:off x="3119755" y="1104398"/>
+            <a:ext cx="5942330" cy="1136015"/>
+          </a:xfrm>
+          <a:prstGeom prst="rect">
             <a:avLst/>
           </a:prstGeom>
-          <a:ln>
-            <a:solidFill>
-              <a:schemeClr val="bg1"/>
-            </a:solidFill>
-          </a:ln>
-        </p:spPr>
-        <p:style>
-          <a:lnRef idx="1">
-            <a:schemeClr val="accent1"/>
-          </a:lnRef>
-          <a:fillRef idx="0">
-            <a:schemeClr val="accent1"/>
-          </a:fillRef>
-          <a:effectRef idx="0">
-            <a:schemeClr val="accent1"/>
-          </a:effectRef>
-          <a:fontRef idx="minor">
-            <a:schemeClr val="tx1"/>
-          </a:fontRef>
-        </p:style>
-      </p:cxnSp>
-      <p:cxnSp>
-        <p:nvCxnSpPr>
-          <p:cNvPr id="13" name="Straight Connector 12"/>
-          <p:cNvCxnSpPr/>
-          <p:nvPr userDrawn="1"/>
-        </p:nvCxnSpPr>
-        <p:spPr>
-          <a:xfrm flipH="1">
-            <a:off x="7016431" y="1811521"/>
-            <a:ext cx="3607220" cy="0"/>
-          </a:xfrm>
-          <a:prstGeom prst="line">
-            <a:avLst/>
-          </a:prstGeom>
-          <a:ln>
-            <a:solidFill>
-              <a:schemeClr val="bg1"/>
-            </a:solidFill>
-          </a:ln>
-        </p:spPr>
-        <p:style>
-          <a:lnRef idx="1">
-            <a:schemeClr val="accent1"/>
-          </a:lnRef>
-          <a:fillRef idx="0">
-            <a:schemeClr val="accent1"/>
-          </a:fillRef>
-          <a:effectRef idx="0">
-            <a:schemeClr val="accent1"/>
-          </a:effectRef>
-          <a:fontRef idx="minor">
-            <a:schemeClr val="tx1"/>
-          </a:fontRef>
-        </p:style>
-      </p:cxnSp>
+        </p:spPr>
+      </p:pic>
       <p:pic>
         <p:nvPicPr>
-          <p:cNvPr id="7" name="Picture 6">
+          <p:cNvPr id="6" name="Picture 5">
             <a:extLst>
               <a:ext uri="{FF2B5EF4-FFF2-40B4-BE49-F238E27FC236}">
-                <a16:creationId xmlns:a16="http://schemas.microsoft.com/office/drawing/2014/main" id="{EAA465BC-D4F2-F54B-BCA6-1D2FA476AE2B}"/>
+                <a16:creationId xmlns:a16="http://schemas.microsoft.com/office/drawing/2014/main" id="{B7117E93-9C43-694D-AC3C-4CC9D7D30DB5}"/>
               </a:ext>
             </a:extLst>
           </p:cNvPr>
@@ -932,15 +896,15 @@
           <p:nvPr userDrawn="1"/>
         </p:nvPicPr>
         <p:blipFill>
-          <a:blip r:embed="rId2"/>
+          <a:blip r:embed="rId3"/>
           <a:stretch>
             <a:fillRect/>
           </a:stretch>
         </p:blipFill>
         <p:spPr>
           <a:xfrm>
-            <a:off x="4832560" y="439921"/>
-            <a:ext cx="2552700" cy="2743200"/>
+            <a:off x="5525770" y="2298892"/>
+            <a:ext cx="1130300" cy="1181100"/>
           </a:xfrm>
           <a:prstGeom prst="rect">
             <a:avLst/>
@@ -1184,7 +1148,7 @@
             <a:fld id="{B19BF9E0-23D0-AA4D-9EB9-DD4CE800D881}" type="datetime1">
               <a:rPr lang="en-US" smtClean="0"/>
               <a:pPr/>
-              <a:t>10/22/20</a:t>
+              <a:t>11/9/20</a:t>
             </a:fld>
             <a:endParaRPr lang="en-US" dirty="0"/>
           </a:p>
@@ -1390,7 +1354,7 @@
             <a:fld id="{5E61854F-676F-4C40-8515-1AF6D823C89B}" type="datetime1">
               <a:rPr lang="en-US" smtClean="0"/>
               <a:pPr/>
-              <a:t>10/22/20</a:t>
+              <a:t>11/9/20</a:t>
             </a:fld>
             <a:endParaRPr lang="en-US" dirty="0"/>
           </a:p>
@@ -1606,7 +1570,7 @@
             <a:fld id="{F13DCD3E-A640-024C-94F5-F73CCF6B7E94}" type="datetime1">
               <a:rPr lang="en-US" smtClean="0"/>
               <a:pPr/>
-              <a:t>10/22/20</a:t>
+              <a:t>11/9/20</a:t>
             </a:fld>
             <a:endParaRPr lang="en-US" dirty="0"/>
           </a:p>
@@ -2029,7 +1993,7 @@
           </a:lstStyle>
           <a:p>
             <a:r>
-              <a:rPr lang="en-US" sz="2400" dirty="0">
+              <a:rPr lang="en-US" sz="2400" dirty="0" err="1">
                 <a:solidFill>
                   <a:srgbClr val="FFFFFF"/>
                 </a:solidFill>
@@ -2037,7 +2001,7 @@
                 <a:ea typeface="Calibri" charset="0"/>
                 <a:cs typeface="Calibri" charset="0"/>
               </a:rPr>
-              <a:t>ghostwriter</a:t>
+              <a:t>getghostwriter.io</a:t>
             </a:r>
             <a:br>
               <a:rPr lang="en-US" sz="2400" dirty="0">
@@ -2058,7 +2022,18 @@
                 <a:ea typeface="Calibri" charset="0"/>
                 <a:cs typeface="Calibri" charset="0"/>
               </a:rPr>
-              <a:t>@ghostwriter</a:t>
+              <a:t>@</a:t>
+            </a:r>
+            <a:r>
+              <a:rPr lang="en-US" sz="2400" dirty="0" err="1">
+                <a:solidFill>
+                  <a:srgbClr val="FFFFFF"/>
+                </a:solidFill>
+                <a:latin typeface="Calibri" charset="0"/>
+                <a:ea typeface="Calibri" charset="0"/>
+                <a:cs typeface="Calibri" charset="0"/>
+              </a:rPr>
+              <a:t>getghostwriter</a:t>
             </a:r>
             <a:br>
               <a:rPr lang="en-US" sz="2400" dirty="0">
@@ -2079,7 +2054,7 @@
                 <a:ea typeface="Calibri" charset="0"/>
                 <a:cs typeface="Calibri" charset="0"/>
               </a:rPr>
-              <a:t>info@ghostwriter.local</a:t>
+              <a:t>info@getghostwriter.io</a:t>
             </a:r>
             <a:endParaRPr lang="en-US" dirty="0"/>
           </a:p>
@@ -2309,7 +2284,7 @@
             <a:fld id="{01A07ABA-737E-B940-885E-88FDAFE88ADA}" type="datetime1">
               <a:rPr lang="en-US" smtClean="0"/>
               <a:pPr/>
-              <a:t>10/22/20</a:t>
+              <a:t>11/9/20</a:t>
             </a:fld>
             <a:endParaRPr lang="en-US" dirty="0"/>
           </a:p>
@@ -2600,7 +2575,7 @@
             <a:fld id="{8AD19A97-9375-5242-A8F8-EF9FB329B087}" type="datetime1">
               <a:rPr lang="en-US" smtClean="0"/>
               <a:pPr/>
-              <a:t>10/22/20</a:t>
+              <a:t>11/9/20</a:t>
             </a:fld>
             <a:endParaRPr lang="en-US" dirty="0"/>
           </a:p>
@@ -2683,7 +2658,7 @@
 </file>
 
 <file path=ppt/slideLayouts/slideLayout4.xml><?xml version="1.0" encoding="utf-8"?>
-<p:sldLayout xmlns:a="http://schemas.openxmlformats.org/drawingml/2006/main" xmlns:r="http://schemas.openxmlformats.org/officeDocument/2006/relationships" xmlns:p="http://schemas.openxmlformats.org/presentationml/2006/main" type="title" preserve="1">
+<p:sldLayout xmlns:a="http://schemas.openxmlformats.org/drawingml/2006/main" xmlns:r="http://schemas.openxmlformats.org/officeDocument/2006/relationships" xmlns:p="http://schemas.openxmlformats.org/presentationml/2006/main" preserve="1" userDrawn="1">
   <p:cSld name="1_Title Slide">
     <p:spTree>
       <p:nvGrpSpPr>
@@ -2707,7 +2682,7 @@
         </p:nvSpPr>
         <p:spPr>
           <a:xfrm>
-            <a:off x="-10160" y="-10160"/>
+            <a:off x="-10160" y="-5080"/>
             <a:ext cx="12202160" cy="6868160"/>
           </a:xfrm>
           <a:prstGeom prst="rect">
@@ -2739,115 +2714,6 @@
           <a:p>
             <a:pPr algn="ctr"/>
             <a:endParaRPr lang="en-US"/>
-          </a:p>
-        </p:txBody>
-      </p:sp>
-      <p:sp>
-        <p:nvSpPr>
-          <p:cNvPr id="2" name="Title 1"/>
-          <p:cNvSpPr>
-            <a:spLocks noGrp="1"/>
-          </p:cNvSpPr>
-          <p:nvPr>
-            <p:ph type="ctrTitle"/>
-          </p:nvPr>
-        </p:nvSpPr>
-        <p:spPr>
-          <a:xfrm>
-            <a:off x="1524000" y="1815726"/>
-            <a:ext cx="9144000" cy="2387600"/>
-          </a:xfrm>
-        </p:spPr>
-        <p:txBody>
-          <a:bodyPr anchor="b">
-            <a:normAutofit/>
-          </a:bodyPr>
-          <a:lstStyle>
-            <a:lvl1pPr algn="ctr">
-              <a:defRPr sz="4800">
-                <a:solidFill>
-                  <a:schemeClr val="bg1"/>
-                </a:solidFill>
-                <a:latin typeface="Al Nile" charset="-78"/>
-                <a:ea typeface="Al Nile" charset="-78"/>
-                <a:cs typeface="Al Nile" charset="-78"/>
-              </a:defRPr>
-            </a:lvl1pPr>
-          </a:lstStyle>
-          <a:p>
-            <a:r>
-              <a:rPr lang="en-US" dirty="0"/>
-              <a:t>Click to edit Master title style</a:t>
-            </a:r>
-          </a:p>
-        </p:txBody>
-      </p:sp>
-      <p:sp>
-        <p:nvSpPr>
-          <p:cNvPr id="3" name="Subtitle 2"/>
-          <p:cNvSpPr>
-            <a:spLocks noGrp="1"/>
-          </p:cNvSpPr>
-          <p:nvPr>
-            <p:ph type="subTitle" idx="1"/>
-          </p:nvPr>
-        </p:nvSpPr>
-        <p:spPr>
-          <a:xfrm>
-            <a:off x="1524000" y="4385218"/>
-            <a:ext cx="9144000" cy="1655762"/>
-          </a:xfrm>
-        </p:spPr>
-        <p:txBody>
-          <a:bodyPr/>
-          <a:lstStyle>
-            <a:lvl1pPr marL="0" indent="0" algn="ctr">
-              <a:buNone/>
-              <a:defRPr sz="2400">
-                <a:solidFill>
-                  <a:schemeClr val="bg1"/>
-                </a:solidFill>
-              </a:defRPr>
-            </a:lvl1pPr>
-            <a:lvl2pPr marL="457200" indent="0" algn="ctr">
-              <a:buNone/>
-              <a:defRPr sz="2000"/>
-            </a:lvl2pPr>
-            <a:lvl3pPr marL="914400" indent="0" algn="ctr">
-              <a:buNone/>
-              <a:defRPr sz="1800"/>
-            </a:lvl3pPr>
-            <a:lvl4pPr marL="1371600" indent="0" algn="ctr">
-              <a:buNone/>
-              <a:defRPr sz="1600"/>
-            </a:lvl4pPr>
-            <a:lvl5pPr marL="1828800" indent="0" algn="ctr">
-              <a:buNone/>
-              <a:defRPr sz="1600"/>
-            </a:lvl5pPr>
-            <a:lvl6pPr marL="2286000" indent="0" algn="ctr">
-              <a:buNone/>
-              <a:defRPr sz="1600"/>
-            </a:lvl6pPr>
-            <a:lvl7pPr marL="2743200" indent="0" algn="ctr">
-              <a:buNone/>
-              <a:defRPr sz="1600"/>
-            </a:lvl7pPr>
-            <a:lvl8pPr marL="3200400" indent="0" algn="ctr">
-              <a:buNone/>
-              <a:defRPr sz="1600"/>
-            </a:lvl8pPr>
-            <a:lvl9pPr marL="3657600" indent="0" algn="ctr">
-              <a:buNone/>
-              <a:defRPr sz="1600"/>
-            </a:lvl9pPr>
-          </a:lstStyle>
-          <a:p>
-            <a:r>
-              <a:rPr lang="en-US"/>
-              <a:t>Click to edit Master subtitle style</a:t>
-            </a:r>
-            <a:endParaRPr lang="en-US" dirty="0"/>
           </a:p>
         </p:txBody>
       </p:sp>
@@ -2944,12 +2810,315 @@
           </a:fontRef>
         </p:style>
       </p:cxnSp>
+      <p:sp>
+        <p:nvSpPr>
+          <p:cNvPr id="9" name="Title 1">
+            <a:extLst>
+              <a:ext uri="{FF2B5EF4-FFF2-40B4-BE49-F238E27FC236}">
+                <a16:creationId xmlns:a16="http://schemas.microsoft.com/office/drawing/2014/main" id="{B4A7F152-0E7D-594A-9717-4177189DA6D1}"/>
+              </a:ext>
+            </a:extLst>
+          </p:cNvPr>
+          <p:cNvSpPr txBox="1">
+            <a:spLocks/>
+          </p:cNvSpPr>
+          <p:nvPr userDrawn="1"/>
+        </p:nvSpPr>
+        <p:spPr>
+          <a:xfrm>
+            <a:off x="1524000" y="1966736"/>
+            <a:ext cx="9144000" cy="2387600"/>
+          </a:xfrm>
+          <a:prstGeom prst="rect">
+            <a:avLst/>
+          </a:prstGeom>
+        </p:spPr>
+        <p:txBody>
+          <a:bodyPr vert="horz" lIns="91440" tIns="45720" rIns="91440" bIns="45720" rtlCol="0" anchor="b">
+            <a:normAutofit/>
+          </a:bodyPr>
+          <a:lstStyle>
+            <a:lvl1pPr algn="ctr" defTabSz="914400" rtl="0" eaLnBrk="1" latinLnBrk="0" hangingPunct="1">
+              <a:lnSpc>
+                <a:spcPct val="90000"/>
+              </a:lnSpc>
+              <a:spcBef>
+                <a:spcPct val="0"/>
+              </a:spcBef>
+              <a:buNone/>
+              <a:defRPr sz="4800" kern="1200">
+                <a:solidFill>
+                  <a:schemeClr val="bg1"/>
+                </a:solidFill>
+                <a:latin typeface="Al Nile" charset="-78"/>
+                <a:ea typeface="Al Nile" charset="-78"/>
+                <a:cs typeface="Al Nile" charset="-78"/>
+              </a:defRPr>
+            </a:lvl1pPr>
+          </a:lstStyle>
+          <a:p>
+            <a:r>
+              <a:rPr lang="en-US"/>
+              <a:t>Click to edit Master title style</a:t>
+            </a:r>
+            <a:endParaRPr lang="en-US" dirty="0"/>
+          </a:p>
+        </p:txBody>
+      </p:sp>
+      <p:sp>
+        <p:nvSpPr>
+          <p:cNvPr id="11" name="Subtitle 2">
+            <a:extLst>
+              <a:ext uri="{FF2B5EF4-FFF2-40B4-BE49-F238E27FC236}">
+                <a16:creationId xmlns:a16="http://schemas.microsoft.com/office/drawing/2014/main" id="{86FCBE93-BF18-EB49-923F-DDC80C19FF35}"/>
+              </a:ext>
+            </a:extLst>
+          </p:cNvPr>
+          <p:cNvSpPr txBox="1">
+            <a:spLocks/>
+          </p:cNvSpPr>
+          <p:nvPr userDrawn="1"/>
+        </p:nvSpPr>
+        <p:spPr>
+          <a:xfrm>
+            <a:off x="1524000" y="4457860"/>
+            <a:ext cx="9144000" cy="1655762"/>
+          </a:xfrm>
+          <a:prstGeom prst="rect">
+            <a:avLst/>
+          </a:prstGeom>
+        </p:spPr>
+        <p:txBody>
+          <a:bodyPr vert="horz" lIns="91440" tIns="45720" rIns="91440" bIns="45720" rtlCol="0">
+            <a:normAutofit/>
+          </a:bodyPr>
+          <a:lstStyle>
+            <a:lvl1pPr marL="0" indent="0" algn="ctr" defTabSz="914400" rtl="0" eaLnBrk="1" latinLnBrk="0" hangingPunct="1">
+              <a:lnSpc>
+                <a:spcPct val="90000"/>
+              </a:lnSpc>
+              <a:spcBef>
+                <a:spcPts val="1000"/>
+              </a:spcBef>
+              <a:buClr>
+                <a:srgbClr val="2D296A"/>
+              </a:buClr>
+              <a:buFont typeface="Arial"/>
+              <a:buNone/>
+              <a:defRPr sz="2400" kern="1200">
+                <a:solidFill>
+                  <a:schemeClr val="bg1"/>
+                </a:solidFill>
+                <a:latin typeface="+mn-lt"/>
+                <a:ea typeface="+mn-ea"/>
+                <a:cs typeface="+mn-cs"/>
+              </a:defRPr>
+            </a:lvl1pPr>
+            <a:lvl2pPr marL="457200" indent="0" algn="ctr" defTabSz="914400" rtl="0" eaLnBrk="1" latinLnBrk="0" hangingPunct="1">
+              <a:lnSpc>
+                <a:spcPct val="90000"/>
+              </a:lnSpc>
+              <a:spcBef>
+                <a:spcPts val="500"/>
+              </a:spcBef>
+              <a:buClr>
+                <a:srgbClr val="2D296A"/>
+              </a:buClr>
+              <a:buFont typeface="Arial"/>
+              <a:buNone/>
+              <a:defRPr sz="2000" b="0" i="0" kern="1200">
+                <a:solidFill>
+                  <a:schemeClr val="tx1"/>
+                </a:solidFill>
+                <a:latin typeface="+mj-lt"/>
+                <a:ea typeface="Calibri Light" charset="0"/>
+                <a:cs typeface="Calibri Light" charset="0"/>
+              </a:defRPr>
+            </a:lvl2pPr>
+            <a:lvl3pPr marL="914400" indent="0" algn="ctr" defTabSz="914400" rtl="0" eaLnBrk="1" latinLnBrk="0" hangingPunct="1">
+              <a:lnSpc>
+                <a:spcPct val="90000"/>
+              </a:lnSpc>
+              <a:spcBef>
+                <a:spcPts val="500"/>
+              </a:spcBef>
+              <a:buClr>
+                <a:srgbClr val="2D296A"/>
+              </a:buClr>
+              <a:buFont typeface="Arial"/>
+              <a:buNone/>
+              <a:defRPr sz="1800" kern="1200">
+                <a:solidFill>
+                  <a:schemeClr val="tx1"/>
+                </a:solidFill>
+                <a:latin typeface="+mj-lt"/>
+                <a:ea typeface="+mn-ea"/>
+                <a:cs typeface="+mn-cs"/>
+              </a:defRPr>
+            </a:lvl3pPr>
+            <a:lvl4pPr marL="1371600" indent="0" algn="ctr" defTabSz="914400" rtl="0" eaLnBrk="1" latinLnBrk="0" hangingPunct="1">
+              <a:lnSpc>
+                <a:spcPct val="90000"/>
+              </a:lnSpc>
+              <a:spcBef>
+                <a:spcPts val="500"/>
+              </a:spcBef>
+              <a:buClr>
+                <a:srgbClr val="2D296A"/>
+              </a:buClr>
+              <a:buFont typeface="Arial"/>
+              <a:buNone/>
+              <a:defRPr sz="1600" kern="1200">
+                <a:solidFill>
+                  <a:schemeClr val="tx1"/>
+                </a:solidFill>
+                <a:latin typeface="+mj-lt"/>
+                <a:ea typeface="+mn-ea"/>
+                <a:cs typeface="+mn-cs"/>
+              </a:defRPr>
+            </a:lvl4pPr>
+            <a:lvl5pPr marL="1828800" indent="0" algn="ctr" defTabSz="914400" rtl="0" eaLnBrk="1" latinLnBrk="0" hangingPunct="1">
+              <a:lnSpc>
+                <a:spcPct val="90000"/>
+              </a:lnSpc>
+              <a:spcBef>
+                <a:spcPts val="500"/>
+              </a:spcBef>
+              <a:buClr>
+                <a:srgbClr val="2D296A"/>
+              </a:buClr>
+              <a:buFont typeface="Arial"/>
+              <a:buNone/>
+              <a:defRPr sz="1600" kern="1200">
+                <a:solidFill>
+                  <a:schemeClr val="tx1"/>
+                </a:solidFill>
+                <a:latin typeface="+mj-lt"/>
+                <a:ea typeface="+mn-ea"/>
+                <a:cs typeface="+mn-cs"/>
+              </a:defRPr>
+            </a:lvl5pPr>
+            <a:lvl6pPr marL="2286000" indent="0" algn="ctr" defTabSz="914400" rtl="0" eaLnBrk="1" latinLnBrk="0" hangingPunct="1">
+              <a:lnSpc>
+                <a:spcPct val="90000"/>
+              </a:lnSpc>
+              <a:spcBef>
+                <a:spcPts val="500"/>
+              </a:spcBef>
+              <a:buFont typeface="Arial"/>
+              <a:buNone/>
+              <a:defRPr sz="1600" kern="1200">
+                <a:solidFill>
+                  <a:schemeClr val="tx1"/>
+                </a:solidFill>
+                <a:latin typeface="+mn-lt"/>
+                <a:ea typeface="+mn-ea"/>
+                <a:cs typeface="+mn-cs"/>
+              </a:defRPr>
+            </a:lvl6pPr>
+            <a:lvl7pPr marL="2743200" indent="0" algn="ctr" defTabSz="914400" rtl="0" eaLnBrk="1" latinLnBrk="0" hangingPunct="1">
+              <a:lnSpc>
+                <a:spcPct val="90000"/>
+              </a:lnSpc>
+              <a:spcBef>
+                <a:spcPts val="500"/>
+              </a:spcBef>
+              <a:buFont typeface="Arial"/>
+              <a:buNone/>
+              <a:defRPr sz="1600" kern="1200">
+                <a:solidFill>
+                  <a:schemeClr val="tx1"/>
+                </a:solidFill>
+                <a:latin typeface="+mn-lt"/>
+                <a:ea typeface="+mn-ea"/>
+                <a:cs typeface="+mn-cs"/>
+              </a:defRPr>
+            </a:lvl7pPr>
+            <a:lvl8pPr marL="3200400" indent="0" algn="ctr" defTabSz="914400" rtl="0" eaLnBrk="1" latinLnBrk="0" hangingPunct="1">
+              <a:lnSpc>
+                <a:spcPct val="90000"/>
+              </a:lnSpc>
+              <a:spcBef>
+                <a:spcPts val="500"/>
+              </a:spcBef>
+              <a:buFont typeface="Arial"/>
+              <a:buNone/>
+              <a:defRPr sz="1600" kern="1200">
+                <a:solidFill>
+                  <a:schemeClr val="tx1"/>
+                </a:solidFill>
+                <a:latin typeface="+mn-lt"/>
+                <a:ea typeface="+mn-ea"/>
+                <a:cs typeface="+mn-cs"/>
+              </a:defRPr>
+            </a:lvl8pPr>
+            <a:lvl9pPr marL="3657600" indent="0" algn="ctr" defTabSz="914400" rtl="0" eaLnBrk="1" latinLnBrk="0" hangingPunct="1">
+              <a:lnSpc>
+                <a:spcPct val="90000"/>
+              </a:lnSpc>
+              <a:spcBef>
+                <a:spcPts val="500"/>
+              </a:spcBef>
+              <a:buFont typeface="Arial"/>
+              <a:buNone/>
+              <a:defRPr sz="1600" kern="1200">
+                <a:solidFill>
+                  <a:schemeClr val="tx1"/>
+                </a:solidFill>
+                <a:latin typeface="+mn-lt"/>
+                <a:ea typeface="+mn-ea"/>
+                <a:cs typeface="+mn-cs"/>
+              </a:defRPr>
+            </a:lvl9pPr>
+          </a:lstStyle>
+          <a:p>
+            <a:r>
+              <a:rPr lang="en-US" dirty="0"/>
+              <a:t>Click to edit Master subtitle style</a:t>
+            </a:r>
+          </a:p>
+        </p:txBody>
+      </p:sp>
       <p:pic>
         <p:nvPicPr>
-          <p:cNvPr id="10" name="Picture 9">
+          <p:cNvPr id="14" name="Picture 13">
             <a:extLst>
               <a:ext uri="{FF2B5EF4-FFF2-40B4-BE49-F238E27FC236}">
-                <a16:creationId xmlns:a16="http://schemas.microsoft.com/office/drawing/2014/main" id="{95877F06-243A-7348-AAEF-F6B55C30C7EC}"/>
+                <a16:creationId xmlns:a16="http://schemas.microsoft.com/office/drawing/2014/main" id="{4991B538-6757-824C-9F14-8478BF032DC2}"/>
+              </a:ext>
+            </a:extLst>
+          </p:cNvPr>
+          <p:cNvPicPr/>
+          <p:nvPr userDrawn="1"/>
+        </p:nvPicPr>
+        <p:blipFill>
+          <a:blip r:embed="rId2">
+            <a:extLst>
+              <a:ext uri="{28A0092B-C50C-407E-A947-70E740481C1C}">
+                <a14:useLocalDpi xmlns:a14="http://schemas.microsoft.com/office/drawing/2010/main" val="0"/>
+              </a:ext>
+            </a:extLst>
+          </a:blip>
+          <a:stretch>
+            <a:fillRect/>
+          </a:stretch>
+        </p:blipFill>
+        <p:spPr>
+          <a:xfrm>
+            <a:off x="3119755" y="1104398"/>
+            <a:ext cx="5942330" cy="1136015"/>
+          </a:xfrm>
+          <a:prstGeom prst="rect">
+            <a:avLst/>
+          </a:prstGeom>
+        </p:spPr>
+      </p:pic>
+      <p:pic>
+        <p:nvPicPr>
+          <p:cNvPr id="15" name="Picture 14">
+            <a:extLst>
+              <a:ext uri="{FF2B5EF4-FFF2-40B4-BE49-F238E27FC236}">
+                <a16:creationId xmlns:a16="http://schemas.microsoft.com/office/drawing/2014/main" id="{4457035A-C3AD-A14C-B92B-7B659B8D4D42}"/>
               </a:ext>
             </a:extLst>
           </p:cNvPr>
@@ -2959,15 +3128,15 @@
           <p:nvPr userDrawn="1"/>
         </p:nvPicPr>
         <p:blipFill>
-          <a:blip r:embed="rId2"/>
+          <a:blip r:embed="rId3"/>
           <a:stretch>
             <a:fillRect/>
           </a:stretch>
         </p:blipFill>
         <p:spPr>
           <a:xfrm>
-            <a:off x="4832560" y="439921"/>
-            <a:ext cx="2552700" cy="2743200"/>
+            <a:off x="5525770" y="2298892"/>
+            <a:ext cx="1130300" cy="1181100"/>
           </a:xfrm>
           <a:prstGeom prst="rect">
             <a:avLst/>
@@ -3167,7 +3336,7 @@
             <a:fld id="{70CCD242-71D9-0B41-89CE-88A9D4CFE536}" type="datetime1">
               <a:rPr lang="en-US" smtClean="0"/>
               <a:pPr/>
-              <a:t>10/22/20</a:t>
+              <a:t>11/9/20</a:t>
             </a:fld>
             <a:endParaRPr lang="en-US" dirty="0"/>
           </a:p>
@@ -3569,7 +3738,7 @@
             <a:fld id="{0238D314-2C76-E844-98B1-DB8FFB9F51BE}" type="datetime1">
               <a:rPr lang="en-US" smtClean="0"/>
               <a:pPr/>
-              <a:t>10/22/20</a:t>
+              <a:t>11/9/20</a:t>
             </a:fld>
             <a:endParaRPr lang="en-US" dirty="0"/>
           </a:p>
@@ -3724,7 +3893,7 @@
             <a:fld id="{0301FEA2-222B-174C-99C9-5F99D67544F0}" type="datetime1">
               <a:rPr lang="en-US" smtClean="0"/>
               <a:pPr/>
-              <a:t>10/22/20</a:t>
+              <a:t>11/9/20</a:t>
             </a:fld>
             <a:endParaRPr lang="en-US" dirty="0"/>
           </a:p>
@@ -3857,7 +4026,7 @@
             <a:fld id="{2539763C-9DA3-3A45-83CD-E398A8334719}" type="datetime1">
               <a:rPr lang="en-US" smtClean="0"/>
               <a:pPr/>
-              <a:t>10/22/20</a:t>
+              <a:t>11/9/20</a:t>
             </a:fld>
             <a:endParaRPr lang="en-US" dirty="0"/>
           </a:p>
@@ -4170,7 +4339,7 @@
             <a:fld id="{343D8E90-9D5D-BC44-A133-7984A60C94F9}" type="datetime1">
               <a:rPr lang="en-US" smtClean="0"/>
               <a:pPr/>
-              <a:t>10/22/20</a:t>
+              <a:t>11/9/20</a:t>
             </a:fld>
             <a:endParaRPr lang="en-US" dirty="0"/>
           </a:p>
